--- a/Quantum computing/Quantum classical machine learning models/QKNN.pptx
+++ b/Quantum computing/Quantum classical machine learning models/QKNN.pptx
@@ -352,7 +352,7 @@
           <a:p>
             <a:fld id="{6D230EE7-50B9-4690-92C4-D398B08CD54A}" type="datetimeFigureOut">
               <a:rPr lang="vi-VN" smtClean="0"/>
-              <a:t>17/09/2023</a:t>
+              <a:t>21/11/2023</a:t>
             </a:fld>
             <a:endParaRPr lang="vi-VN"/>
           </a:p>
@@ -550,7 +550,7 @@
           <a:p>
             <a:fld id="{6D230EE7-50B9-4690-92C4-D398B08CD54A}" type="datetimeFigureOut">
               <a:rPr lang="vi-VN" smtClean="0"/>
-              <a:t>17/09/2023</a:t>
+              <a:t>21/11/2023</a:t>
             </a:fld>
             <a:endParaRPr lang="vi-VN"/>
           </a:p>
@@ -758,7 +758,7 @@
           <a:p>
             <a:fld id="{6D230EE7-50B9-4690-92C4-D398B08CD54A}" type="datetimeFigureOut">
               <a:rPr lang="vi-VN" smtClean="0"/>
-              <a:t>17/09/2023</a:t>
+              <a:t>21/11/2023</a:t>
             </a:fld>
             <a:endParaRPr lang="vi-VN"/>
           </a:p>
@@ -956,7 +956,7 @@
           <a:p>
             <a:fld id="{6D230EE7-50B9-4690-92C4-D398B08CD54A}" type="datetimeFigureOut">
               <a:rPr lang="vi-VN" smtClean="0"/>
-              <a:t>17/09/2023</a:t>
+              <a:t>21/11/2023</a:t>
             </a:fld>
             <a:endParaRPr lang="vi-VN"/>
           </a:p>
@@ -1231,7 +1231,7 @@
           <a:p>
             <a:fld id="{6D230EE7-50B9-4690-92C4-D398B08CD54A}" type="datetimeFigureOut">
               <a:rPr lang="vi-VN" smtClean="0"/>
-              <a:t>17/09/2023</a:t>
+              <a:t>21/11/2023</a:t>
             </a:fld>
             <a:endParaRPr lang="vi-VN"/>
           </a:p>
@@ -1496,7 +1496,7 @@
           <a:p>
             <a:fld id="{6D230EE7-50B9-4690-92C4-D398B08CD54A}" type="datetimeFigureOut">
               <a:rPr lang="vi-VN" smtClean="0"/>
-              <a:t>17/09/2023</a:t>
+              <a:t>21/11/2023</a:t>
             </a:fld>
             <a:endParaRPr lang="vi-VN"/>
           </a:p>
@@ -1908,7 +1908,7 @@
           <a:p>
             <a:fld id="{6D230EE7-50B9-4690-92C4-D398B08CD54A}" type="datetimeFigureOut">
               <a:rPr lang="vi-VN" smtClean="0"/>
-              <a:t>17/09/2023</a:t>
+              <a:t>21/11/2023</a:t>
             </a:fld>
             <a:endParaRPr lang="vi-VN"/>
           </a:p>
@@ -2049,7 +2049,7 @@
           <a:p>
             <a:fld id="{6D230EE7-50B9-4690-92C4-D398B08CD54A}" type="datetimeFigureOut">
               <a:rPr lang="vi-VN" smtClean="0"/>
-              <a:t>17/09/2023</a:t>
+              <a:t>21/11/2023</a:t>
             </a:fld>
             <a:endParaRPr lang="vi-VN"/>
           </a:p>
@@ -2162,7 +2162,7 @@
           <a:p>
             <a:fld id="{6D230EE7-50B9-4690-92C4-D398B08CD54A}" type="datetimeFigureOut">
               <a:rPr lang="vi-VN" smtClean="0"/>
-              <a:t>17/09/2023</a:t>
+              <a:t>21/11/2023</a:t>
             </a:fld>
             <a:endParaRPr lang="vi-VN"/>
           </a:p>
@@ -2473,7 +2473,7 @@
           <a:p>
             <a:fld id="{6D230EE7-50B9-4690-92C4-D398B08CD54A}" type="datetimeFigureOut">
               <a:rPr lang="vi-VN" smtClean="0"/>
-              <a:t>17/09/2023</a:t>
+              <a:t>21/11/2023</a:t>
             </a:fld>
             <a:endParaRPr lang="vi-VN"/>
           </a:p>
@@ -2761,7 +2761,7 @@
           <a:p>
             <a:fld id="{6D230EE7-50B9-4690-92C4-D398B08CD54A}" type="datetimeFigureOut">
               <a:rPr lang="vi-VN" smtClean="0"/>
-              <a:t>17/09/2023</a:t>
+              <a:t>21/11/2023</a:t>
             </a:fld>
             <a:endParaRPr lang="vi-VN"/>
           </a:p>
@@ -3002,7 +3002,7 @@
           <a:p>
             <a:fld id="{6D230EE7-50B9-4690-92C4-D398B08CD54A}" type="datetimeFigureOut">
               <a:rPr lang="vi-VN" smtClean="0"/>
-              <a:t>17/09/2023</a:t>
+              <a:t>21/11/2023</a:t>
             </a:fld>
             <a:endParaRPr lang="vi-VN"/>
           </a:p>
@@ -3682,8 +3682,8 @@
           </a:fontRef>
         </p:style>
       </p:cxnSp>
-      <mc:AlternateContent xmlns:mc="http://schemas.openxmlformats.org/markup-compatibility/2006">
-        <mc:Choice xmlns:a14="http://schemas.microsoft.com/office/drawing/2010/main" Requires="a14">
+      <mc:AlternateContent xmlns:mc="http://schemas.openxmlformats.org/markup-compatibility/2006" xmlns:a14="http://schemas.microsoft.com/office/drawing/2010/main">
+        <mc:Choice Requires="a14">
           <p:sp>
             <p:nvSpPr>
               <p:cNvPr id="13" name="Hộp Văn bản 12">
@@ -3790,7 +3790,7 @@
             </p:txBody>
           </p:sp>
         </mc:Choice>
-        <mc:Fallback>
+        <mc:Fallback xmlns="">
           <p:sp>
             <p:nvSpPr>
               <p:cNvPr id="13" name="Hộp Văn bản 12">
@@ -3835,8 +3835,8 @@
           </p:sp>
         </mc:Fallback>
       </mc:AlternateContent>
-      <mc:AlternateContent xmlns:mc="http://schemas.openxmlformats.org/markup-compatibility/2006">
-        <mc:Choice xmlns:a14="http://schemas.microsoft.com/office/drawing/2010/main" Requires="a14">
+      <mc:AlternateContent xmlns:mc="http://schemas.openxmlformats.org/markup-compatibility/2006" xmlns:a14="http://schemas.microsoft.com/office/drawing/2010/main">
+        <mc:Choice Requires="a14">
           <p:sp>
             <p:nvSpPr>
               <p:cNvPr id="14" name="Hộp Văn bản 13">
@@ -4031,7 +4031,7 @@
             </p:txBody>
           </p:sp>
         </mc:Choice>
-        <mc:Fallback>
+        <mc:Fallback xmlns="">
           <p:sp>
             <p:nvSpPr>
               <p:cNvPr id="14" name="Hộp Văn bản 13">
@@ -4076,8 +4076,8 @@
           </p:sp>
         </mc:Fallback>
       </mc:AlternateContent>
-      <mc:AlternateContent xmlns:mc="http://schemas.openxmlformats.org/markup-compatibility/2006">
-        <mc:Choice xmlns:p14="http://schemas.microsoft.com/office/powerpoint/2010/main" Requires="p14">
+      <mc:AlternateContent xmlns:mc="http://schemas.openxmlformats.org/markup-compatibility/2006" xmlns:p14="http://schemas.microsoft.com/office/powerpoint/2010/main">
+        <mc:Choice Requires="p14">
           <p:contentPart p14:bwMode="auto" r:id="rId5">
             <p14:nvContentPartPr>
               <p14:cNvPr id="16" name="Viết tay 15">
@@ -4096,7 +4096,7 @@
             </p14:xfrm>
           </p:contentPart>
         </mc:Choice>
-        <mc:Fallback>
+        <mc:Fallback xmlns="">
           <p:pic>
             <p:nvPicPr>
               <p:cNvPr id="16" name="Viết tay 15">
@@ -4255,8 +4255,8 @@
           </p:sp>
         </mc:Fallback>
       </mc:AlternateContent>
-      <mc:AlternateContent xmlns:mc="http://schemas.openxmlformats.org/markup-compatibility/2006">
-        <mc:Choice xmlns:a14="http://schemas.microsoft.com/office/drawing/2010/main" Requires="a14">
+      <mc:AlternateContent xmlns:mc="http://schemas.openxmlformats.org/markup-compatibility/2006" xmlns:a14="http://schemas.microsoft.com/office/drawing/2010/main">
+        <mc:Choice Requires="a14">
           <p:sp>
             <p:nvSpPr>
               <p:cNvPr id="6" name="Hộp Văn bản 5">
@@ -4308,7 +4308,7 @@
             </p:txBody>
           </p:sp>
         </mc:Choice>
-        <mc:Fallback>
+        <mc:Fallback xmlns="">
           <p:sp>
             <p:nvSpPr>
               <p:cNvPr id="6" name="Hộp Văn bản 5">
@@ -4383,8 +4383,8 @@
           </a:prstGeom>
         </p:spPr>
       </p:pic>
-      <mc:AlternateContent xmlns:mc="http://schemas.openxmlformats.org/markup-compatibility/2006">
-        <mc:Choice xmlns:a14="http://schemas.microsoft.com/office/drawing/2010/main" Requires="a14">
+      <mc:AlternateContent xmlns:mc="http://schemas.openxmlformats.org/markup-compatibility/2006" xmlns:a14="http://schemas.microsoft.com/office/drawing/2010/main">
+        <mc:Choice Requires="a14">
           <p:sp>
             <p:nvSpPr>
               <p:cNvPr id="11" name="Hộp Văn bản 10">
@@ -4432,7 +4432,7 @@
             </p:txBody>
           </p:sp>
         </mc:Choice>
-        <mc:Fallback>
+        <mc:Fallback xmlns="">
           <p:sp>
             <p:nvSpPr>
               <p:cNvPr id="11" name="Hộp Văn bản 10">
@@ -4477,8 +4477,8 @@
           </p:sp>
         </mc:Fallback>
       </mc:AlternateContent>
-      <mc:AlternateContent xmlns:mc="http://schemas.openxmlformats.org/markup-compatibility/2006">
-        <mc:Choice xmlns:a14="http://schemas.microsoft.com/office/drawing/2010/main" Requires="a14">
+      <mc:AlternateContent xmlns:mc="http://schemas.openxmlformats.org/markup-compatibility/2006" xmlns:a14="http://schemas.microsoft.com/office/drawing/2010/main">
+        <mc:Choice Requires="a14">
           <p:sp>
             <p:nvSpPr>
               <p:cNvPr id="12" name="Hộp Văn bản 11">
@@ -4530,7 +4530,7 @@
             </p:txBody>
           </p:sp>
         </mc:Choice>
-        <mc:Fallback>
+        <mc:Fallback xmlns="">
           <p:sp>
             <p:nvSpPr>
               <p:cNvPr id="12" name="Hộp Văn bản 11">
@@ -4604,8 +4604,8 @@
           </a:prstGeom>
         </p:spPr>
       </p:pic>
-      <mc:AlternateContent xmlns:mc="http://schemas.openxmlformats.org/markup-compatibility/2006">
-        <mc:Choice xmlns:a14="http://schemas.microsoft.com/office/drawing/2010/main" Requires="a14">
+      <mc:AlternateContent xmlns:mc="http://schemas.openxmlformats.org/markup-compatibility/2006" xmlns:a14="http://schemas.microsoft.com/office/drawing/2010/main">
+        <mc:Choice Requires="a14">
           <p:sp>
             <p:nvSpPr>
               <p:cNvPr id="15" name="Hộp Văn bản 14">
@@ -4676,7 +4676,7 @@
             </p:txBody>
           </p:sp>
         </mc:Choice>
-        <mc:Fallback>
+        <mc:Fallback xmlns="">
           <p:sp>
             <p:nvSpPr>
               <p:cNvPr id="15" name="Hộp Văn bản 14">
@@ -4908,8 +4908,8 @@
           </a:p>
         </p:txBody>
       </p:sp>
-      <mc:AlternateContent xmlns:mc="http://schemas.openxmlformats.org/markup-compatibility/2006">
-        <mc:Choice xmlns:p14="http://schemas.microsoft.com/office/powerpoint/2010/main" Requires="p14">
+      <mc:AlternateContent xmlns:mc="http://schemas.openxmlformats.org/markup-compatibility/2006" xmlns:p14="http://schemas.microsoft.com/office/powerpoint/2010/main">
+        <mc:Choice Requires="p14">
           <p:contentPart p14:bwMode="auto" r:id="rId2">
             <p14:nvContentPartPr>
               <p14:cNvPr id="4" name="Viết tay 3">
@@ -4928,7 +4928,7 @@
             </p14:xfrm>
           </p:contentPart>
         </mc:Choice>
-        <mc:Fallback>
+        <mc:Fallback xmlns="">
           <p:pic>
             <p:nvPicPr>
               <p:cNvPr id="4" name="Viết tay 3">
@@ -5124,8 +5124,8 @@
           </a:fontRef>
         </p:style>
       </p:cxnSp>
-      <mc:AlternateContent xmlns:mc="http://schemas.openxmlformats.org/markup-compatibility/2006">
-        <mc:Choice xmlns:a14="http://schemas.microsoft.com/office/drawing/2010/main" Requires="a14">
+      <mc:AlternateContent xmlns:mc="http://schemas.openxmlformats.org/markup-compatibility/2006" xmlns:a14="http://schemas.microsoft.com/office/drawing/2010/main">
+        <mc:Choice Requires="a14">
           <p:sp>
             <p:nvSpPr>
               <p:cNvPr id="9" name="Hộp Văn bản 8">
@@ -5177,7 +5177,7 @@
             </p:txBody>
           </p:sp>
         </mc:Choice>
-        <mc:Fallback>
+        <mc:Fallback xmlns="">
           <p:sp>
             <p:nvSpPr>
               <p:cNvPr id="9" name="Hộp Văn bản 8">
@@ -5333,8 +5333,8 @@
           </a:p>
         </p:txBody>
       </p:sp>
-      <mc:AlternateContent xmlns:mc="http://schemas.openxmlformats.org/markup-compatibility/2006">
-        <mc:Choice xmlns:a14="http://schemas.microsoft.com/office/drawing/2010/main" Requires="a14">
+      <mc:AlternateContent xmlns:mc="http://schemas.openxmlformats.org/markup-compatibility/2006" xmlns:a14="http://schemas.microsoft.com/office/drawing/2010/main">
+        <mc:Choice Requires="a14">
           <p:sp>
             <p:nvSpPr>
               <p:cNvPr id="14" name="Hộp Văn bản 13">
@@ -5384,7 +5384,7 @@
             </p:txBody>
           </p:sp>
         </mc:Choice>
-        <mc:Fallback>
+        <mc:Fallback xmlns="">
           <p:sp>
             <p:nvSpPr>
               <p:cNvPr id="14" name="Hộp Văn bản 13">
@@ -5429,8 +5429,8 @@
           </p:sp>
         </mc:Fallback>
       </mc:AlternateContent>
-      <mc:AlternateContent xmlns:mc="http://schemas.openxmlformats.org/markup-compatibility/2006">
-        <mc:Choice xmlns:a14="http://schemas.microsoft.com/office/drawing/2010/main" Requires="a14">
+      <mc:AlternateContent xmlns:mc="http://schemas.openxmlformats.org/markup-compatibility/2006" xmlns:a14="http://schemas.microsoft.com/office/drawing/2010/main">
+        <mc:Choice Requires="a14">
           <p:sp>
             <p:nvSpPr>
               <p:cNvPr id="15" name="Hộp Văn bản 14">
@@ -5478,7 +5478,7 @@
             </p:txBody>
           </p:sp>
         </mc:Choice>
-        <mc:Fallback>
+        <mc:Fallback xmlns="">
           <p:sp>
             <p:nvSpPr>
               <p:cNvPr id="15" name="Hộp Văn bản 14">
@@ -7764,7 +7764,7 @@
         </p:blipFill>
         <p:spPr>
           <a:xfrm>
-            <a:off x="-415726" y="2025523"/>
+            <a:off x="-3776663" y="3486349"/>
             <a:ext cx="3776663" cy="1335395"/>
           </a:xfrm>
           <a:prstGeom prst="rect">
@@ -9964,8 +9964,8 @@
           </a:fontRef>
         </p:style>
       </p:cxnSp>
-      <mc:AlternateContent xmlns:mc="http://schemas.openxmlformats.org/markup-compatibility/2006">
-        <mc:Choice xmlns:a14="http://schemas.microsoft.com/office/drawing/2010/main" Requires="a14">
+      <mc:AlternateContent xmlns:mc="http://schemas.openxmlformats.org/markup-compatibility/2006" xmlns:a14="http://schemas.microsoft.com/office/drawing/2010/main">
+        <mc:Choice Requires="a14">
           <p:sp>
             <p:nvSpPr>
               <p:cNvPr id="51" name="Hộp Văn bản 50">
@@ -10133,7 +10133,7 @@
             </p:txBody>
           </p:sp>
         </mc:Choice>
-        <mc:Fallback>
+        <mc:Fallback xmlns="">
           <p:sp>
             <p:nvSpPr>
               <p:cNvPr id="51" name="Hộp Văn bản 50">
@@ -15573,8 +15573,8 @@
           </a:fontRef>
         </p:style>
       </p:cxnSp>
-      <mc:AlternateContent xmlns:mc="http://schemas.openxmlformats.org/markup-compatibility/2006">
-        <mc:Choice xmlns:a14="http://schemas.microsoft.com/office/drawing/2010/main" Requires="a14">
+      <mc:AlternateContent xmlns:mc="http://schemas.openxmlformats.org/markup-compatibility/2006" xmlns:a14="http://schemas.microsoft.com/office/drawing/2010/main">
+        <mc:Choice Requires="a14">
           <p:sp>
             <p:nvSpPr>
               <p:cNvPr id="10" name="Hộp Văn bản 9">
@@ -16275,7 +16275,7 @@
             </p:txBody>
           </p:sp>
         </mc:Choice>
-        <mc:Fallback>
+        <mc:Fallback xmlns="">
           <p:sp>
             <p:nvSpPr>
               <p:cNvPr id="10" name="Hộp Văn bản 9">
@@ -16361,8 +16361,8 @@
           </a:fontRef>
         </p:style>
       </p:cxnSp>
-      <mc:AlternateContent xmlns:mc="http://schemas.openxmlformats.org/markup-compatibility/2006">
-        <mc:Choice xmlns:a14="http://schemas.microsoft.com/office/drawing/2010/main" Requires="a14">
+      <mc:AlternateContent xmlns:mc="http://schemas.openxmlformats.org/markup-compatibility/2006" xmlns:a14="http://schemas.microsoft.com/office/drawing/2010/main">
+        <mc:Choice Requires="a14">
           <p:sp>
             <p:nvSpPr>
               <p:cNvPr id="22" name="Hộp Văn bản 21">
@@ -16562,7 +16562,7 @@
             </p:txBody>
           </p:sp>
         </mc:Choice>
-        <mc:Fallback>
+        <mc:Fallback xmlns="">
           <p:sp>
             <p:nvSpPr>
               <p:cNvPr id="22" name="Hộp Văn bản 21">
@@ -16828,8 +16828,8 @@
           </a:fontRef>
         </p:style>
       </p:cxnSp>
-      <mc:AlternateContent xmlns:mc="http://schemas.openxmlformats.org/markup-compatibility/2006">
-        <mc:Choice xmlns:a14="http://schemas.microsoft.com/office/drawing/2010/main" Requires="a14">
+      <mc:AlternateContent xmlns:mc="http://schemas.openxmlformats.org/markup-compatibility/2006" xmlns:a14="http://schemas.microsoft.com/office/drawing/2010/main">
+        <mc:Choice Requires="a14">
           <p:sp>
             <p:nvSpPr>
               <p:cNvPr id="13" name="Hộp Văn bản 12">
@@ -16879,7 +16879,7 @@
             </p:txBody>
           </p:sp>
         </mc:Choice>
-        <mc:Fallback>
+        <mc:Fallback xmlns="">
           <p:sp>
             <p:nvSpPr>
               <p:cNvPr id="13" name="Hộp Văn bản 12">
@@ -16924,8 +16924,8 @@
           </p:sp>
         </mc:Fallback>
       </mc:AlternateContent>
-      <mc:AlternateContent xmlns:mc="http://schemas.openxmlformats.org/markup-compatibility/2006">
-        <mc:Choice xmlns:a14="http://schemas.microsoft.com/office/drawing/2010/main" Requires="a14">
+      <mc:AlternateContent xmlns:mc="http://schemas.openxmlformats.org/markup-compatibility/2006" xmlns:a14="http://schemas.microsoft.com/office/drawing/2010/main">
+        <mc:Choice Requires="a14">
           <p:sp>
             <p:nvSpPr>
               <p:cNvPr id="14" name="Hộp Văn bản 13">
@@ -16987,7 +16987,7 @@
             </p:txBody>
           </p:sp>
         </mc:Choice>
-        <mc:Fallback>
+        <mc:Fallback xmlns="">
           <p:sp>
             <p:nvSpPr>
               <p:cNvPr id="14" name="Hộp Văn bản 13">
@@ -17032,8 +17032,8 @@
           </p:sp>
         </mc:Fallback>
       </mc:AlternateContent>
-      <mc:AlternateContent xmlns:mc="http://schemas.openxmlformats.org/markup-compatibility/2006">
-        <mc:Choice xmlns:a14="http://schemas.microsoft.com/office/drawing/2010/main" Requires="a14">
+      <mc:AlternateContent xmlns:mc="http://schemas.openxmlformats.org/markup-compatibility/2006" xmlns:a14="http://schemas.microsoft.com/office/drawing/2010/main">
+        <mc:Choice Requires="a14">
           <p:sp>
             <p:nvSpPr>
               <p:cNvPr id="15" name="Hộp Văn bản 14">
@@ -17095,7 +17095,7 @@
             </p:txBody>
           </p:sp>
         </mc:Choice>
-        <mc:Fallback>
+        <mc:Fallback xmlns="">
           <p:sp>
             <p:nvSpPr>
               <p:cNvPr id="15" name="Hộp Văn bản 14">
@@ -17769,8 +17769,8 @@
           </a:fontRef>
         </p:style>
       </p:cxnSp>
-      <mc:AlternateContent xmlns:mc="http://schemas.openxmlformats.org/markup-compatibility/2006">
-        <mc:Choice xmlns:a14="http://schemas.microsoft.com/office/drawing/2010/main" Requires="a14">
+      <mc:AlternateContent xmlns:mc="http://schemas.openxmlformats.org/markup-compatibility/2006" xmlns:a14="http://schemas.microsoft.com/office/drawing/2010/main">
+        <mc:Choice Requires="a14">
           <p:sp>
             <p:nvSpPr>
               <p:cNvPr id="48" name="Hộp Văn bản 47">
@@ -17851,7 +17851,7 @@
             </p:txBody>
           </p:sp>
         </mc:Choice>
-        <mc:Fallback>
+        <mc:Fallback xmlns="">
           <p:sp>
             <p:nvSpPr>
               <p:cNvPr id="48" name="Hộp Văn bản 47">
@@ -17896,8 +17896,8 @@
           </p:sp>
         </mc:Fallback>
       </mc:AlternateContent>
-      <mc:AlternateContent xmlns:mc="http://schemas.openxmlformats.org/markup-compatibility/2006">
-        <mc:Choice xmlns:a14="http://schemas.microsoft.com/office/drawing/2010/main" Requires="a14">
+      <mc:AlternateContent xmlns:mc="http://schemas.openxmlformats.org/markup-compatibility/2006" xmlns:a14="http://schemas.microsoft.com/office/drawing/2010/main">
+        <mc:Choice Requires="a14">
           <p:sp>
             <p:nvSpPr>
               <p:cNvPr id="49" name="Hộp Văn bản 48">
@@ -17978,7 +17978,7 @@
             </p:txBody>
           </p:sp>
         </mc:Choice>
-        <mc:Fallback>
+        <mc:Fallback xmlns="">
           <p:sp>
             <p:nvSpPr>
               <p:cNvPr id="49" name="Hộp Văn bản 48">
@@ -18023,8 +18023,8 @@
           </p:sp>
         </mc:Fallback>
       </mc:AlternateContent>
-      <mc:AlternateContent xmlns:mc="http://schemas.openxmlformats.org/markup-compatibility/2006">
-        <mc:Choice xmlns:a14="http://schemas.microsoft.com/office/drawing/2010/main" Requires="a14">
+      <mc:AlternateContent xmlns:mc="http://schemas.openxmlformats.org/markup-compatibility/2006" xmlns:a14="http://schemas.microsoft.com/office/drawing/2010/main">
+        <mc:Choice Requires="a14">
           <p:sp>
             <p:nvSpPr>
               <p:cNvPr id="50" name="Hộp Văn bản 49">
@@ -18105,7 +18105,7 @@
             </p:txBody>
           </p:sp>
         </mc:Choice>
-        <mc:Fallback>
+        <mc:Fallback xmlns="">
           <p:sp>
             <p:nvSpPr>
               <p:cNvPr id="50" name="Hộp Văn bản 49">
@@ -18791,8 +18791,8 @@
           </a:fontRef>
         </p:style>
       </p:cxnSp>
-      <mc:AlternateContent xmlns:mc="http://schemas.openxmlformats.org/markup-compatibility/2006">
-        <mc:Choice xmlns:a14="http://schemas.microsoft.com/office/drawing/2010/main" Requires="a14">
+      <mc:AlternateContent xmlns:mc="http://schemas.openxmlformats.org/markup-compatibility/2006" xmlns:a14="http://schemas.microsoft.com/office/drawing/2010/main">
+        <mc:Choice Requires="a14">
           <p:sp>
             <p:nvSpPr>
               <p:cNvPr id="65" name="Hộp Văn bản 64">
@@ -18849,7 +18849,7 @@
             </p:txBody>
           </p:sp>
         </mc:Choice>
-        <mc:Fallback>
+        <mc:Fallback xmlns="">
           <p:sp>
             <p:nvSpPr>
               <p:cNvPr id="65" name="Hộp Văn bản 64">
@@ -18894,8 +18894,8 @@
           </p:sp>
         </mc:Fallback>
       </mc:AlternateContent>
-      <mc:AlternateContent xmlns:mc="http://schemas.openxmlformats.org/markup-compatibility/2006">
-        <mc:Choice xmlns:a14="http://schemas.microsoft.com/office/drawing/2010/main" Requires="a14">
+      <mc:AlternateContent xmlns:mc="http://schemas.openxmlformats.org/markup-compatibility/2006" xmlns:a14="http://schemas.microsoft.com/office/drawing/2010/main">
+        <mc:Choice Requires="a14">
           <p:sp>
             <p:nvSpPr>
               <p:cNvPr id="66" name="Hộp Văn bản 65">
@@ -18952,7 +18952,7 @@
             </p:txBody>
           </p:sp>
         </mc:Choice>
-        <mc:Fallback>
+        <mc:Fallback xmlns="">
           <p:sp>
             <p:nvSpPr>
               <p:cNvPr id="66" name="Hộp Văn bản 65">
@@ -18997,8 +18997,8 @@
           </p:sp>
         </mc:Fallback>
       </mc:AlternateContent>
-      <mc:AlternateContent xmlns:mc="http://schemas.openxmlformats.org/markup-compatibility/2006">
-        <mc:Choice xmlns:a14="http://schemas.microsoft.com/office/drawing/2010/main" Requires="a14">
+      <mc:AlternateContent xmlns:mc="http://schemas.openxmlformats.org/markup-compatibility/2006" xmlns:a14="http://schemas.microsoft.com/office/drawing/2010/main">
+        <mc:Choice Requires="a14">
           <p:sp>
             <p:nvSpPr>
               <p:cNvPr id="67" name="Hộp Văn bản 66">
@@ -19055,7 +19055,7 @@
             </p:txBody>
           </p:sp>
         </mc:Choice>
-        <mc:Fallback>
+        <mc:Fallback xmlns="">
           <p:sp>
             <p:nvSpPr>
               <p:cNvPr id="67" name="Hộp Văn bản 66">
@@ -19100,8 +19100,8 @@
           </p:sp>
         </mc:Fallback>
       </mc:AlternateContent>
-      <mc:AlternateContent xmlns:mc="http://schemas.openxmlformats.org/markup-compatibility/2006">
-        <mc:Choice xmlns:a14="http://schemas.microsoft.com/office/drawing/2010/main" Requires="a14">
+      <mc:AlternateContent xmlns:mc="http://schemas.openxmlformats.org/markup-compatibility/2006" xmlns:a14="http://schemas.microsoft.com/office/drawing/2010/main">
+        <mc:Choice Requires="a14">
           <p:sp>
             <p:nvSpPr>
               <p:cNvPr id="68" name="Hộp Văn bản 67">
@@ -19158,7 +19158,7 @@
             </p:txBody>
           </p:sp>
         </mc:Choice>
-        <mc:Fallback>
+        <mc:Fallback xmlns="">
           <p:sp>
             <p:nvSpPr>
               <p:cNvPr id="68" name="Hộp Văn bản 67">
@@ -19242,8 +19242,8 @@
           </a:fontRef>
         </p:style>
       </p:cxnSp>
-      <mc:AlternateContent xmlns:mc="http://schemas.openxmlformats.org/markup-compatibility/2006">
-        <mc:Choice xmlns:a14="http://schemas.microsoft.com/office/drawing/2010/main" Requires="a14">
+      <mc:AlternateContent xmlns:mc="http://schemas.openxmlformats.org/markup-compatibility/2006" xmlns:a14="http://schemas.microsoft.com/office/drawing/2010/main">
+        <mc:Choice Requires="a14">
           <p:sp>
             <p:nvSpPr>
               <p:cNvPr id="70" name="Hộp Văn bản 69">
@@ -19324,7 +19324,7 @@
             </p:txBody>
           </p:sp>
         </mc:Choice>
-        <mc:Fallback>
+        <mc:Fallback xmlns="">
           <p:sp>
             <p:nvSpPr>
               <p:cNvPr id="70" name="Hộp Văn bản 69">
@@ -19369,8 +19369,8 @@
           </p:sp>
         </mc:Fallback>
       </mc:AlternateContent>
-      <mc:AlternateContent xmlns:mc="http://schemas.openxmlformats.org/markup-compatibility/2006">
-        <mc:Choice xmlns:a14="http://schemas.microsoft.com/office/drawing/2010/main" Requires="a14">
+      <mc:AlternateContent xmlns:mc="http://schemas.openxmlformats.org/markup-compatibility/2006" xmlns:a14="http://schemas.microsoft.com/office/drawing/2010/main">
+        <mc:Choice Requires="a14">
           <p:sp>
             <p:nvSpPr>
               <p:cNvPr id="73" name="Hình chữ nhật 72">
@@ -19484,7 +19484,7 @@
             </p:txBody>
           </p:sp>
         </mc:Choice>
-        <mc:Fallback>
+        <mc:Fallback xmlns="">
           <p:sp>
             <p:nvSpPr>
               <p:cNvPr id="73" name="Hình chữ nhật 72">
@@ -19534,8 +19534,8 @@
           </p:sp>
         </mc:Fallback>
       </mc:AlternateContent>
-      <mc:AlternateContent xmlns:mc="http://schemas.openxmlformats.org/markup-compatibility/2006">
-        <mc:Choice xmlns:a14="http://schemas.microsoft.com/office/drawing/2010/main" Requires="a14">
+      <mc:AlternateContent xmlns:mc="http://schemas.openxmlformats.org/markup-compatibility/2006" xmlns:a14="http://schemas.microsoft.com/office/drawing/2010/main">
+        <mc:Choice Requires="a14">
           <p:sp>
             <p:nvSpPr>
               <p:cNvPr id="74" name="Hình chữ nhật 73">
@@ -19638,7 +19638,7 @@
             </p:txBody>
           </p:sp>
         </mc:Choice>
-        <mc:Fallback>
+        <mc:Fallback xmlns="">
           <p:sp>
             <p:nvSpPr>
               <p:cNvPr id="74" name="Hình chữ nhật 73">
@@ -19897,8 +19897,8 @@
           </a:prstGeom>
         </p:spPr>
       </p:pic>
-      <mc:AlternateContent xmlns:mc="http://schemas.openxmlformats.org/markup-compatibility/2006">
-        <mc:Choice xmlns:a14="http://schemas.microsoft.com/office/drawing/2010/main" Requires="a14">
+      <mc:AlternateContent xmlns:mc="http://schemas.openxmlformats.org/markup-compatibility/2006" xmlns:a14="http://schemas.microsoft.com/office/drawing/2010/main">
+        <mc:Choice Requires="a14">
           <p:sp>
             <p:nvSpPr>
               <p:cNvPr id="5" name="Hộp Văn bản 4">
@@ -19948,7 +19948,7 @@
             </p:txBody>
           </p:sp>
         </mc:Choice>
-        <mc:Fallback>
+        <mc:Fallback xmlns="">
           <p:sp>
             <p:nvSpPr>
               <p:cNvPr id="5" name="Hộp Văn bản 4">
@@ -19993,8 +19993,8 @@
           </p:sp>
         </mc:Fallback>
       </mc:AlternateContent>
-      <mc:AlternateContent xmlns:mc="http://schemas.openxmlformats.org/markup-compatibility/2006">
-        <mc:Choice xmlns:a14="http://schemas.microsoft.com/office/drawing/2010/main" Requires="a14">
+      <mc:AlternateContent xmlns:mc="http://schemas.openxmlformats.org/markup-compatibility/2006" xmlns:a14="http://schemas.microsoft.com/office/drawing/2010/main">
+        <mc:Choice Requires="a14">
           <p:sp>
             <p:nvSpPr>
               <p:cNvPr id="6" name="Hộp Văn bản 5">
@@ -20044,7 +20044,7 @@
             </p:txBody>
           </p:sp>
         </mc:Choice>
-        <mc:Fallback>
+        <mc:Fallback xmlns="">
           <p:sp>
             <p:nvSpPr>
               <p:cNvPr id="6" name="Hộp Văn bản 5">
@@ -20089,8 +20089,8 @@
           </p:sp>
         </mc:Fallback>
       </mc:AlternateContent>
-      <mc:AlternateContent xmlns:mc="http://schemas.openxmlformats.org/markup-compatibility/2006">
-        <mc:Choice xmlns:a14="http://schemas.microsoft.com/office/drawing/2010/main" Requires="a14">
+      <mc:AlternateContent xmlns:mc="http://schemas.openxmlformats.org/markup-compatibility/2006" xmlns:a14="http://schemas.microsoft.com/office/drawing/2010/main">
+        <mc:Choice Requires="a14">
           <p:sp>
             <p:nvSpPr>
               <p:cNvPr id="7" name="Hộp Văn bản 6">
@@ -20140,7 +20140,7 @@
             </p:txBody>
           </p:sp>
         </mc:Choice>
-        <mc:Fallback>
+        <mc:Fallback xmlns="">
           <p:sp>
             <p:nvSpPr>
               <p:cNvPr id="7" name="Hộp Văn bản 6">
@@ -20185,8 +20185,8 @@
           </p:sp>
         </mc:Fallback>
       </mc:AlternateContent>
-      <mc:AlternateContent xmlns:mc="http://schemas.openxmlformats.org/markup-compatibility/2006">
-        <mc:Choice xmlns:a14="http://schemas.microsoft.com/office/drawing/2010/main" Requires="a14">
+      <mc:AlternateContent xmlns:mc="http://schemas.openxmlformats.org/markup-compatibility/2006" xmlns:a14="http://schemas.microsoft.com/office/drawing/2010/main">
+        <mc:Choice Requires="a14">
           <p:sp>
             <p:nvSpPr>
               <p:cNvPr id="8" name="Hộp Văn bản 7">
@@ -20236,7 +20236,7 @@
             </p:txBody>
           </p:sp>
         </mc:Choice>
-        <mc:Fallback>
+        <mc:Fallback xmlns="">
           <p:sp>
             <p:nvSpPr>
               <p:cNvPr id="8" name="Hộp Văn bản 7">
@@ -20370,8 +20370,8 @@
           </a:prstGeom>
         </p:spPr>
       </p:pic>
-      <mc:AlternateContent xmlns:mc="http://schemas.openxmlformats.org/markup-compatibility/2006">
-        <mc:Choice xmlns:a14="http://schemas.microsoft.com/office/drawing/2010/main" Requires="a14">
+      <mc:AlternateContent xmlns:mc="http://schemas.openxmlformats.org/markup-compatibility/2006" xmlns:a14="http://schemas.microsoft.com/office/drawing/2010/main">
+        <mc:Choice Requires="a14">
           <p:sp>
             <p:nvSpPr>
               <p:cNvPr id="22" name="Hộp Văn bản 21">
@@ -20837,7 +20837,7 @@
             </p:txBody>
           </p:sp>
         </mc:Choice>
-        <mc:Fallback>
+        <mc:Fallback xmlns="">
           <p:sp>
             <p:nvSpPr>
               <p:cNvPr id="22" name="Hộp Văn bản 21">
@@ -20971,8 +20971,8 @@
           </a:prstGeom>
         </p:spPr>
       </p:pic>
-      <mc:AlternateContent xmlns:mc="http://schemas.openxmlformats.org/markup-compatibility/2006">
-        <mc:Choice xmlns:a14="http://schemas.microsoft.com/office/drawing/2010/main" Requires="a14">
+      <mc:AlternateContent xmlns:mc="http://schemas.openxmlformats.org/markup-compatibility/2006" xmlns:a14="http://schemas.microsoft.com/office/drawing/2010/main">
+        <mc:Choice Requires="a14">
           <p:sp>
             <p:nvSpPr>
               <p:cNvPr id="22" name="Hộp Văn bản 21">
@@ -21330,7 +21330,7 @@
             </p:txBody>
           </p:sp>
         </mc:Choice>
-        <mc:Fallback>
+        <mc:Fallback xmlns="">
           <p:sp>
             <p:nvSpPr>
               <p:cNvPr id="22" name="Hộp Văn bản 21">
@@ -21464,8 +21464,8 @@
           </a:prstGeom>
         </p:spPr>
       </p:pic>
-      <mc:AlternateContent xmlns:mc="http://schemas.openxmlformats.org/markup-compatibility/2006">
-        <mc:Choice xmlns:a14="http://schemas.microsoft.com/office/drawing/2010/main" Requires="a14">
+      <mc:AlternateContent xmlns:mc="http://schemas.openxmlformats.org/markup-compatibility/2006" xmlns:a14="http://schemas.microsoft.com/office/drawing/2010/main">
+        <mc:Choice Requires="a14">
           <p:sp>
             <p:nvSpPr>
               <p:cNvPr id="22" name="Hộp Văn bản 21">
@@ -21536,7 +21536,7 @@
             </p:txBody>
           </p:sp>
         </mc:Choice>
-        <mc:Fallback>
+        <mc:Fallback xmlns="">
           <p:sp>
             <p:nvSpPr>
               <p:cNvPr id="22" name="Hộp Văn bản 21">
@@ -21611,8 +21611,8 @@
           </a:prstGeom>
         </p:spPr>
       </p:pic>
-      <mc:AlternateContent xmlns:mc="http://schemas.openxmlformats.org/markup-compatibility/2006">
-        <mc:Choice xmlns:a14="http://schemas.microsoft.com/office/drawing/2010/main" Requires="a14">
+      <mc:AlternateContent xmlns:mc="http://schemas.openxmlformats.org/markup-compatibility/2006" xmlns:a14="http://schemas.microsoft.com/office/drawing/2010/main">
+        <mc:Choice Requires="a14">
           <p:sp>
             <p:nvSpPr>
               <p:cNvPr id="8" name="Hộp Văn bản 7">
@@ -22009,7 +22009,7 @@
             </p:txBody>
           </p:sp>
         </mc:Choice>
-        <mc:Fallback>
+        <mc:Fallback xmlns="">
           <p:sp>
             <p:nvSpPr>
               <p:cNvPr id="8" name="Hộp Văn bản 7">
